--- a/Git 강의 내용 20180203.pptx
+++ b/Git 강의 내용 20180203.pptx
@@ -291,6 +291,7 @@
           <a:p>
             <a:fld id="{A1236893-F3CB-4026-9DBB-34B81BCADBCA}" type="datetimeFigureOut">
               <a:rPr lang="ko-KR" altLang="en-US" smtClean="0"/>
+              <a:pPr/>
               <a:t>2018-02-03</a:t>
             </a:fld>
             <a:endParaRPr lang="ko-KR" altLang="en-US"/>
@@ -333,6 +334,7 @@
           <a:p>
             <a:fld id="{3E627C90-2330-4D4A-AE07-E1D0B8DDF1F8}" type="slidenum">
               <a:rPr lang="ko-KR" altLang="en-US" smtClean="0"/>
+              <a:pPr/>
               <a:t>‹#›</a:t>
             </a:fld>
             <a:endParaRPr lang="ko-KR" altLang="en-US"/>
@@ -456,6 +458,7 @@
           <a:p>
             <a:fld id="{A1236893-F3CB-4026-9DBB-34B81BCADBCA}" type="datetimeFigureOut">
               <a:rPr lang="ko-KR" altLang="en-US" smtClean="0"/>
+              <a:pPr/>
               <a:t>2018-02-03</a:t>
             </a:fld>
             <a:endParaRPr lang="ko-KR" altLang="en-US"/>
@@ -498,6 +501,7 @@
           <a:p>
             <a:fld id="{3E627C90-2330-4D4A-AE07-E1D0B8DDF1F8}" type="slidenum">
               <a:rPr lang="ko-KR" altLang="en-US" smtClean="0"/>
+              <a:pPr/>
               <a:t>‹#›</a:t>
             </a:fld>
             <a:endParaRPr lang="ko-KR" altLang="en-US"/>
@@ -631,6 +635,7 @@
           <a:p>
             <a:fld id="{A1236893-F3CB-4026-9DBB-34B81BCADBCA}" type="datetimeFigureOut">
               <a:rPr lang="ko-KR" altLang="en-US" smtClean="0"/>
+              <a:pPr/>
               <a:t>2018-02-03</a:t>
             </a:fld>
             <a:endParaRPr lang="ko-KR" altLang="en-US"/>
@@ -673,6 +678,7 @@
           <a:p>
             <a:fld id="{3E627C90-2330-4D4A-AE07-E1D0B8DDF1F8}" type="slidenum">
               <a:rPr lang="ko-KR" altLang="en-US" smtClean="0"/>
+              <a:pPr/>
               <a:t>‹#›</a:t>
             </a:fld>
             <a:endParaRPr lang="ko-KR" altLang="en-US"/>
@@ -796,6 +802,7 @@
           <a:p>
             <a:fld id="{A1236893-F3CB-4026-9DBB-34B81BCADBCA}" type="datetimeFigureOut">
               <a:rPr lang="ko-KR" altLang="en-US" smtClean="0"/>
+              <a:pPr/>
               <a:t>2018-02-03</a:t>
             </a:fld>
             <a:endParaRPr lang="ko-KR" altLang="en-US"/>
@@ -838,6 +845,7 @@
           <a:p>
             <a:fld id="{3E627C90-2330-4D4A-AE07-E1D0B8DDF1F8}" type="slidenum">
               <a:rPr lang="ko-KR" altLang="en-US" smtClean="0"/>
+              <a:pPr/>
               <a:t>‹#›</a:t>
             </a:fld>
             <a:endParaRPr lang="ko-KR" altLang="en-US"/>
@@ -1037,6 +1045,7 @@
           <a:p>
             <a:fld id="{A1236893-F3CB-4026-9DBB-34B81BCADBCA}" type="datetimeFigureOut">
               <a:rPr lang="ko-KR" altLang="en-US" smtClean="0"/>
+              <a:pPr/>
               <a:t>2018-02-03</a:t>
             </a:fld>
             <a:endParaRPr lang="ko-KR" altLang="en-US"/>
@@ -1079,6 +1088,7 @@
           <a:p>
             <a:fld id="{3E627C90-2330-4D4A-AE07-E1D0B8DDF1F8}" type="slidenum">
               <a:rPr lang="ko-KR" altLang="en-US" smtClean="0"/>
+              <a:pPr/>
               <a:t>‹#›</a:t>
             </a:fld>
             <a:endParaRPr lang="ko-KR" altLang="en-US"/>
@@ -1320,6 +1330,7 @@
           <a:p>
             <a:fld id="{A1236893-F3CB-4026-9DBB-34B81BCADBCA}" type="datetimeFigureOut">
               <a:rPr lang="ko-KR" altLang="en-US" smtClean="0"/>
+              <a:pPr/>
               <a:t>2018-02-03</a:t>
             </a:fld>
             <a:endParaRPr lang="ko-KR" altLang="en-US"/>
@@ -1362,6 +1373,7 @@
           <a:p>
             <a:fld id="{3E627C90-2330-4D4A-AE07-E1D0B8DDF1F8}" type="slidenum">
               <a:rPr lang="ko-KR" altLang="en-US" smtClean="0"/>
+              <a:pPr/>
               <a:t>‹#›</a:t>
             </a:fld>
             <a:endParaRPr lang="ko-KR" altLang="en-US"/>
@@ -1737,6 +1749,7 @@
           <a:p>
             <a:fld id="{A1236893-F3CB-4026-9DBB-34B81BCADBCA}" type="datetimeFigureOut">
               <a:rPr lang="ko-KR" altLang="en-US" smtClean="0"/>
+              <a:pPr/>
               <a:t>2018-02-03</a:t>
             </a:fld>
             <a:endParaRPr lang="ko-KR" altLang="en-US"/>
@@ -1779,6 +1792,7 @@
           <a:p>
             <a:fld id="{3E627C90-2330-4D4A-AE07-E1D0B8DDF1F8}" type="slidenum">
               <a:rPr lang="ko-KR" altLang="en-US" smtClean="0"/>
+              <a:pPr/>
               <a:t>‹#›</a:t>
             </a:fld>
             <a:endParaRPr lang="ko-KR" altLang="en-US"/>
@@ -1850,6 +1864,7 @@
           <a:p>
             <a:fld id="{A1236893-F3CB-4026-9DBB-34B81BCADBCA}" type="datetimeFigureOut">
               <a:rPr lang="ko-KR" altLang="en-US" smtClean="0"/>
+              <a:pPr/>
               <a:t>2018-02-03</a:t>
             </a:fld>
             <a:endParaRPr lang="ko-KR" altLang="en-US"/>
@@ -1892,6 +1907,7 @@
           <a:p>
             <a:fld id="{3E627C90-2330-4D4A-AE07-E1D0B8DDF1F8}" type="slidenum">
               <a:rPr lang="ko-KR" altLang="en-US" smtClean="0"/>
+              <a:pPr/>
               <a:t>‹#›</a:t>
             </a:fld>
             <a:endParaRPr lang="ko-KR" altLang="en-US"/>
@@ -1940,6 +1956,7 @@
           <a:p>
             <a:fld id="{A1236893-F3CB-4026-9DBB-34B81BCADBCA}" type="datetimeFigureOut">
               <a:rPr lang="ko-KR" altLang="en-US" smtClean="0"/>
+              <a:pPr/>
               <a:t>2018-02-03</a:t>
             </a:fld>
             <a:endParaRPr lang="ko-KR" altLang="en-US"/>
@@ -1982,6 +1999,7 @@
           <a:p>
             <a:fld id="{3E627C90-2330-4D4A-AE07-E1D0B8DDF1F8}" type="slidenum">
               <a:rPr lang="ko-KR" altLang="en-US" smtClean="0"/>
+              <a:pPr/>
               <a:t>‹#›</a:t>
             </a:fld>
             <a:endParaRPr lang="ko-KR" altLang="en-US"/>
@@ -2212,6 +2230,7 @@
           <a:p>
             <a:fld id="{A1236893-F3CB-4026-9DBB-34B81BCADBCA}" type="datetimeFigureOut">
               <a:rPr lang="ko-KR" altLang="en-US" smtClean="0"/>
+              <a:pPr/>
               <a:t>2018-02-03</a:t>
             </a:fld>
             <a:endParaRPr lang="ko-KR" altLang="en-US"/>
@@ -2254,6 +2273,7 @@
           <a:p>
             <a:fld id="{3E627C90-2330-4D4A-AE07-E1D0B8DDF1F8}" type="slidenum">
               <a:rPr lang="ko-KR" altLang="en-US" smtClean="0"/>
+              <a:pPr/>
               <a:t>‹#›</a:t>
             </a:fld>
             <a:endParaRPr lang="ko-KR" altLang="en-US"/>
@@ -2460,6 +2480,7 @@
           <a:p>
             <a:fld id="{A1236893-F3CB-4026-9DBB-34B81BCADBCA}" type="datetimeFigureOut">
               <a:rPr lang="ko-KR" altLang="en-US" smtClean="0"/>
+              <a:pPr/>
               <a:t>2018-02-03</a:t>
             </a:fld>
             <a:endParaRPr lang="ko-KR" altLang="en-US"/>
@@ -2502,6 +2523,7 @@
           <a:p>
             <a:fld id="{3E627C90-2330-4D4A-AE07-E1D0B8DDF1F8}" type="slidenum">
               <a:rPr lang="ko-KR" altLang="en-US" smtClean="0"/>
+              <a:pPr/>
               <a:t>‹#›</a:t>
             </a:fld>
             <a:endParaRPr lang="ko-KR" altLang="en-US"/>
@@ -2668,6 +2690,7 @@
           <a:p>
             <a:fld id="{A1236893-F3CB-4026-9DBB-34B81BCADBCA}" type="datetimeFigureOut">
               <a:rPr lang="ko-KR" altLang="en-US" smtClean="0"/>
+              <a:pPr/>
               <a:t>2018-02-03</a:t>
             </a:fld>
             <a:endParaRPr lang="ko-KR" altLang="en-US"/>
@@ -2746,6 +2769,7 @@
           <a:p>
             <a:fld id="{3E627C90-2330-4D4A-AE07-E1D0B8DDF1F8}" type="slidenum">
               <a:rPr lang="ko-KR" altLang="en-US" smtClean="0"/>
+              <a:pPr/>
               <a:t>‹#›</a:t>
             </a:fld>
             <a:endParaRPr lang="ko-KR" altLang="en-US"/>
@@ -4064,6 +4088,58 @@
           <a:chExt cx="0" cy="0"/>
         </a:xfrm>
       </p:grpSpPr>
+      <p:sp>
+        <p:nvSpPr>
+          <p:cNvPr id="2" name="TextBox 1"/>
+          <p:cNvSpPr txBox="1"/>
+          <p:nvPr/>
+        </p:nvSpPr>
+        <p:spPr>
+          <a:xfrm>
+            <a:off x="1187624" y="692696"/>
+            <a:ext cx="3437801" cy="646331"/>
+          </a:xfrm>
+          <a:prstGeom prst="rect">
+            <a:avLst/>
+          </a:prstGeom>
+          <a:noFill/>
+        </p:spPr>
+        <p:txBody>
+          <a:bodyPr wrap="none" rtlCol="0">
+            <a:spAutoFit/>
+          </a:bodyPr>
+          <a:lstStyle/>
+          <a:p>
+            <a:r>
+              <a:rPr lang="ko-KR" altLang="en-US" dirty="0" err="1" smtClean="0"/>
+              <a:t>알수</a:t>
+            </a:r>
+            <a:r>
+              <a:rPr lang="ko-KR" altLang="en-US" dirty="0" smtClean="0"/>
+              <a:t> 없음</a:t>
+            </a:r>
+            <a:r>
+              <a:rPr lang="en-US" altLang="ko-KR" dirty="0" smtClean="0"/>
+              <a:t>.</a:t>
+            </a:r>
+          </a:p>
+          <a:p>
+            <a:r>
+              <a:rPr lang="en-US" altLang="ko-KR" dirty="0" err="1" smtClean="0"/>
+              <a:t>Git</a:t>
+            </a:r>
+            <a:r>
+              <a:rPr lang="en-US" altLang="ko-KR" dirty="0" smtClean="0"/>
+              <a:t> commit –a –m </a:t>
+            </a:r>
+            <a:r>
+              <a:rPr lang="en-US" altLang="ko-KR" smtClean="0"/>
+              <a:t>“commit.txt”</a:t>
+            </a:r>
+            <a:endParaRPr lang="en-US" altLang="ko-KR" dirty="0" smtClean="0"/>
+          </a:p>
+        </p:txBody>
+      </p:sp>
     </p:spTree>
   </p:cSld>
   <p:clrMapOvr>
